--- a/Lectures/Misinformation/misinformation_powerpoint.pptx
+++ b/Lectures/Misinformation/misinformation_powerpoint.pptx
@@ -3591,14 +3591,29 @@
             <a:pPr lvl="0"/>
             <a:r>
               <a:rPr/>
-              <a:t>I am adding a “recommended schedule” for Chapter assignments in Canvas. This is only to help you meet the final deadline for the Unit. You should be finishing Chapter 4 Inquizitives this week. Chapter 5 due September 20..</a:t>
+              <a:t>I am adding a “recommended schedule” for Chapter assignments in Canvas.</a:t>
+            </a:r>
+          </a:p>
+          <a:p>
+            <a:pPr lvl="1" indent="0">
+              <a:buNone/>
+            </a:pPr>
+            <a:r>
+              <a:rPr>
+                <a:latin typeface="Courier"/>
+              </a:rPr>
+              <a:t>          - Due dates are unchanged
+          - Chapter 4 Inquizitives this week (recommended) 
+          - Chapters 1 to 5 due September 20 (DEADLINE!)
+          - I will be sending reminders to those who are behind schedule from Canvas Gradebook. 
+          - There is no need to reply to the reminders.</a:t>
             </a:r>
           </a:p>
           <a:p>
             <a:pPr lvl="0"/>
             <a:r>
               <a:rPr/>
-              <a:t>I will be sending reminders to those who are behind schedule from Canvas Gradebook. There is no need to reply to these.</a:t>
+              <a:t>How many hours a week should you spend outside of class on this course?</a:t>
             </a:r>
           </a:p>
           <a:p>
